--- a/SMART CCTV.pptx
+++ b/SMART CCTV.pptx
@@ -12,12 +12,12 @@
     <p:sldId id="266" r:id="rId6"/>
     <p:sldId id="257" r:id="rId7"/>
     <p:sldId id="261" r:id="rId8"/>
-    <p:sldId id="258" r:id="rId9"/>
-    <p:sldId id="259" r:id="rId10"/>
-    <p:sldId id="260" r:id="rId11"/>
-    <p:sldId id="262" r:id="rId12"/>
-    <p:sldId id="267" r:id="rId13"/>
-    <p:sldId id="264" r:id="rId14"/>
+    <p:sldId id="260" r:id="rId9"/>
+    <p:sldId id="258" r:id="rId10"/>
+    <p:sldId id="262" r:id="rId11"/>
+    <p:sldId id="267" r:id="rId12"/>
+    <p:sldId id="264" r:id="rId13"/>
+    <p:sldId id="269" r:id="rId14"/>
   </p:sldIdLst>
   <p:sldSz cx="9144000" cy="6858000" type="screen4x3"/>
   <p:notesSz cx="6858000" cy="9144000"/>
@@ -254,7 +254,7 @@
             <a:fld id="{18D857B1-78C4-4AB4-A2C2-5A90C392A931}" type="datetimeFigureOut">
               <a:rPr lang="en-US" smtClean="0"/>
               <a:pPr/>
-              <a:t>2/8/2021</a:t>
+              <a:t>2/9/2021</a:t>
             </a:fld>
             <a:endParaRPr lang="en-US"/>
           </a:p>
@@ -569,7 +569,7 @@
             <a:fld id="{18D857B1-78C4-4AB4-A2C2-5A90C392A931}" type="datetimeFigureOut">
               <a:rPr lang="en-US" smtClean="0"/>
               <a:pPr/>
-              <a:t>2/8/2021</a:t>
+              <a:t>2/9/2021</a:t>
             </a:fld>
             <a:endParaRPr lang="en-US"/>
           </a:p>
@@ -756,7 +756,7 @@
             <a:fld id="{18D857B1-78C4-4AB4-A2C2-5A90C392A931}" type="datetimeFigureOut">
               <a:rPr lang="en-US" smtClean="0"/>
               <a:pPr/>
-              <a:t>2/8/2021</a:t>
+              <a:t>2/9/2021</a:t>
             </a:fld>
             <a:endParaRPr lang="en-US"/>
           </a:p>
@@ -933,7 +933,7 @@
             <a:fld id="{18D857B1-78C4-4AB4-A2C2-5A90C392A931}" type="datetimeFigureOut">
               <a:rPr lang="en-US" smtClean="0"/>
               <a:pPr/>
-              <a:t>2/8/2021</a:t>
+              <a:t>2/9/2021</a:t>
             </a:fld>
             <a:endParaRPr lang="en-US"/>
           </a:p>
@@ -1203,7 +1203,7 @@
             <a:fld id="{18D857B1-78C4-4AB4-A2C2-5A90C392A931}" type="datetimeFigureOut">
               <a:rPr lang="en-US" smtClean="0"/>
               <a:pPr/>
-              <a:t>2/8/2021</a:t>
+              <a:t>2/9/2021</a:t>
             </a:fld>
             <a:endParaRPr lang="en-US"/>
           </a:p>
@@ -1673,7 +1673,7 @@
             <a:fld id="{18D857B1-78C4-4AB4-A2C2-5A90C392A931}" type="datetimeFigureOut">
               <a:rPr lang="en-US" smtClean="0"/>
               <a:pPr/>
-              <a:t>2/8/2021</a:t>
+              <a:t>2/9/2021</a:t>
             </a:fld>
             <a:endParaRPr lang="en-US"/>
           </a:p>
@@ -2164,7 +2164,7 @@
             <a:fld id="{18D857B1-78C4-4AB4-A2C2-5A90C392A931}" type="datetimeFigureOut">
               <a:rPr lang="en-US" smtClean="0"/>
               <a:pPr/>
-              <a:t>2/8/2021</a:t>
+              <a:t>2/9/2021</a:t>
             </a:fld>
             <a:endParaRPr lang="en-US"/>
           </a:p>
@@ -2292,7 +2292,7 @@
             <a:fld id="{18D857B1-78C4-4AB4-A2C2-5A90C392A931}" type="datetimeFigureOut">
               <a:rPr lang="en-US" smtClean="0"/>
               <a:pPr/>
-              <a:t>2/8/2021</a:t>
+              <a:t>2/9/2021</a:t>
             </a:fld>
             <a:endParaRPr lang="en-US"/>
           </a:p>
@@ -2438,7 +2438,7 @@
             <a:fld id="{18D857B1-78C4-4AB4-A2C2-5A90C392A931}" type="datetimeFigureOut">
               <a:rPr lang="en-US" smtClean="0"/>
               <a:pPr/>
-              <a:t>2/8/2021</a:t>
+              <a:t>2/9/2021</a:t>
             </a:fld>
             <a:endParaRPr lang="en-US"/>
           </a:p>
@@ -2762,7 +2762,7 @@
             <a:fld id="{18D857B1-78C4-4AB4-A2C2-5A90C392A931}" type="datetimeFigureOut">
               <a:rPr lang="en-US" smtClean="0"/>
               <a:pPr/>
-              <a:t>2/8/2021</a:t>
+              <a:t>2/9/2021</a:t>
             </a:fld>
             <a:endParaRPr lang="en-US"/>
           </a:p>
@@ -2898,7 +2898,7 @@
             <a:fld id="{18D857B1-78C4-4AB4-A2C2-5A90C392A931}" type="datetimeFigureOut">
               <a:rPr lang="en-US" smtClean="0"/>
               <a:pPr/>
-              <a:t>2/8/2021</a:t>
+              <a:t>2/9/2021</a:t>
             </a:fld>
             <a:endParaRPr lang="en-US"/>
           </a:p>
@@ -3681,7 +3681,7 @@
             <a:fld id="{18D857B1-78C4-4AB4-A2C2-5A90C392A931}" type="datetimeFigureOut">
               <a:rPr lang="en-US" smtClean="0"/>
               <a:pPr/>
-              <a:t>2/8/2021</a:t>
+              <a:t>2/9/2021</a:t>
             </a:fld>
             <a:endParaRPr lang="en-US"/>
           </a:p>
@@ -4405,43 +4405,53 @@
       </p:grpSpPr>
       <p:sp>
         <p:nvSpPr>
-          <p:cNvPr id="3" name="Content Placeholder 2"/>
-          <p:cNvSpPr>
-            <a:spLocks noGrp="1"/>
-          </p:cNvSpPr>
-          <p:nvPr>
-            <p:ph idx="1"/>
-          </p:nvPr>
-        </p:nvSpPr>
-        <p:spPr>
-          <a:xfrm>
-            <a:off x="1295400" y="990600"/>
-            <a:ext cx="7638288" cy="5257800"/>
-          </a:xfrm>
-        </p:spPr>
+          <p:cNvPr id="2" name="Title 1"/>
+          <p:cNvSpPr>
+            <a:spLocks noGrp="1"/>
+          </p:cNvSpPr>
+          <p:nvPr>
+            <p:ph type="title"/>
+          </p:nvPr>
+        </p:nvSpPr>
+        <p:spPr/>
         <p:txBody>
           <a:bodyPr>
             <a:normAutofit/>
           </a:bodyPr>
           <a:lstStyle/>
           <a:p>
-            <a:endParaRPr lang="en-US" sz="2000" dirty="0" smtClean="0"/>
-          </a:p>
-          <a:p>
-            <a:r>
-              <a:rPr lang="en-US" sz="2000" b="1" dirty="0" smtClean="0"/>
-              <a:t>Record </a:t>
-            </a:r>
-          </a:p>
-          <a:p>
-            <a:pPr>
-              <a:buNone/>
-            </a:pPr>
-            <a:r>
-              <a:rPr lang="en-US" sz="2000" dirty="0" smtClean="0"/>
-              <a:t>    This function in our project is been used to record the footage we have to start recording and it would save the recording when we  stop so we can say it is like video recorder .</a:t>
-            </a:r>
-          </a:p>
+            <a:r>
+              <a:rPr lang="en-US" sz="3400" dirty="0" smtClean="0">
+                <a:solidFill>
+                  <a:schemeClr val="tx1"/>
+                </a:solidFill>
+              </a:rPr>
+              <a:t>Hardware and software requirements</a:t>
+            </a:r>
+            <a:endParaRPr lang="en-US" sz="3400" dirty="0">
+              <a:solidFill>
+                <a:schemeClr val="tx1"/>
+              </a:solidFill>
+            </a:endParaRPr>
+          </a:p>
+        </p:txBody>
+      </p:sp>
+      <p:sp>
+        <p:nvSpPr>
+          <p:cNvPr id="3" name="Content Placeholder 2"/>
+          <p:cNvSpPr>
+            <a:spLocks noGrp="1"/>
+          </p:cNvSpPr>
+          <p:nvPr>
+            <p:ph idx="1"/>
+          </p:nvPr>
+        </p:nvSpPr>
+        <p:spPr/>
+        <p:txBody>
+          <a:bodyPr>
+            <a:normAutofit/>
+          </a:bodyPr>
+          <a:lstStyle/>
           <a:p>
             <a:pPr>
               <a:buNone/>
@@ -4449,18 +4459,59 @@
             <a:endParaRPr lang="en-US" sz="2000" dirty="0" smtClean="0"/>
           </a:p>
           <a:p>
+            <a:pPr>
+              <a:buNone/>
+            </a:pPr>
             <a:r>
               <a:rPr lang="en-US" sz="2000" b="1" dirty="0" smtClean="0"/>
-              <a:t>Noise </a:t>
+              <a:t>Tools and Technology</a:t>
+            </a:r>
+            <a:r>
+              <a:rPr lang="en-US" sz="2000" dirty="0" smtClean="0"/>
+              <a:t>:-</a:t>
             </a:r>
           </a:p>
           <a:p>
             <a:pPr>
-              <a:buNone/>
+              <a:buFont typeface="Wingdings" pitchFamily="2" charset="2"/>
+              <a:buChar char="Ø"/>
             </a:pPr>
             <a:r>
               <a:rPr lang="en-US" sz="2000" dirty="0" smtClean="0"/>
-              <a:t>     This will detect the noise of person.</a:t>
+              <a:t>Image processing with Core Python</a:t>
+            </a:r>
+          </a:p>
+          <a:p>
+            <a:pPr>
+              <a:buNone/>
+            </a:pPr>
+            <a:r>
+              <a:rPr lang="en-US" sz="2000" dirty="0" smtClean="0"/>
+              <a:t> </a:t>
+            </a:r>
+          </a:p>
+          <a:p>
+            <a:r>
+              <a:rPr lang="en-US" sz="2000" b="1" dirty="0" smtClean="0"/>
+              <a:t>Hardware requirements :</a:t>
+            </a:r>
+          </a:p>
+          <a:p>
+            <a:pPr>
+              <a:buNone/>
+            </a:pPr>
+            <a:r>
+              <a:rPr lang="en-US" sz="2000" dirty="0" smtClean="0"/>
+              <a:t>	1) x64 based processor</a:t>
+            </a:r>
+          </a:p>
+          <a:p>
+            <a:pPr>
+              <a:buNone/>
+            </a:pPr>
+            <a:r>
+              <a:rPr lang="en-US" sz="2000" dirty="0" smtClean="0"/>
+              <a:t>	2) 4GB RAM</a:t>
             </a:r>
           </a:p>
           <a:p>
@@ -4472,20 +4523,59 @@
           <a:p>
             <a:r>
               <a:rPr lang="en-US" sz="2000" b="1" dirty="0" smtClean="0"/>
-              <a:t>Python </a:t>
-            </a:r>
-            <a:r>
-              <a:rPr lang="en-US" sz="2000" b="1" dirty="0" err="1" smtClean="0"/>
-              <a:t>Tkinter</a:t>
+              <a:t>Software </a:t>
             </a:r>
             <a:r>
               <a:rPr lang="en-US" sz="2000" b="1" dirty="0" smtClean="0"/>
-              <a:t> Frame </a:t>
-            </a:r>
+              <a:t>requirements :</a:t>
+            </a:r>
+            <a:endParaRPr lang="en-US" sz="2000" b="1" dirty="0" smtClean="0"/>
+          </a:p>
+          <a:p>
+            <a:pPr>
+              <a:buNone/>
+            </a:pPr>
             <a:r>
               <a:rPr lang="en-US" sz="2000" dirty="0" smtClean="0"/>
-              <a:t>widget is used to organize the group of widgets. It acts like a container which can be used to hold the other widgets. The rectangular areas of the screen are used to organize the widgets to the python application.</a:t>
-            </a:r>
+              <a:t>	1)Python 3.6 and above</a:t>
+            </a:r>
+          </a:p>
+          <a:p>
+            <a:pPr>
+              <a:buNone/>
+            </a:pPr>
+            <a:r>
+              <a:rPr lang="en-US" sz="2000" dirty="0" smtClean="0"/>
+              <a:t>	2) Packages:  </a:t>
+            </a:r>
+            <a:r>
+              <a:rPr lang="en-US" sz="2000" dirty="0" err="1" smtClean="0"/>
+              <a:t>Opencv</a:t>
+            </a:r>
+            <a:r>
+              <a:rPr lang="en-US" sz="2000" dirty="0" smtClean="0"/>
+              <a:t> </a:t>
+            </a:r>
+            <a:r>
+              <a:rPr lang="en-US" sz="2000" dirty="0" err="1" smtClean="0"/>
+              <a:t>tkinter</a:t>
+            </a:r>
+            <a:r>
+              <a:rPr lang="en-US" sz="2000" dirty="0" smtClean="0"/>
+              <a:t> , PIL</a:t>
+            </a:r>
+          </a:p>
+          <a:p>
+            <a:pPr>
+              <a:buNone/>
+            </a:pPr>
+            <a:endParaRPr lang="en-US" sz="2000" dirty="0" smtClean="0"/>
+          </a:p>
+          <a:p>
+            <a:pPr>
+              <a:buNone/>
+            </a:pPr>
+            <a:endParaRPr lang="en-US" sz="2000" dirty="0"/>
           </a:p>
         </p:txBody>
       </p:sp>
@@ -4539,14 +4629,14 @@
           <a:lstStyle/>
           <a:p>
             <a:r>
-              <a:rPr lang="en-US" sz="3400" dirty="0" smtClean="0">
+              <a:rPr lang="en-US" sz="3500" dirty="0" smtClean="0">
                 <a:solidFill>
                   <a:schemeClr val="tx1"/>
                 </a:solidFill>
               </a:rPr>
-              <a:t>Hardware and software requirements</a:t>
-            </a:r>
-            <a:endParaRPr lang="en-US" sz="3400" dirty="0">
+              <a:t> Functional Requirements(Scope) </a:t>
+            </a:r>
+            <a:endParaRPr lang="en-US" sz="3500" dirty="0">
               <a:solidFill>
                 <a:schemeClr val="tx1"/>
               </a:solidFill>
@@ -4571,129 +4661,30 @@
           </a:bodyPr>
           <a:lstStyle/>
           <a:p>
+            <a:r>
+              <a:rPr lang="en-US" sz="2600" dirty="0" smtClean="0"/>
+              <a:t>Image processing via object </a:t>
+            </a:r>
+            <a:r>
+              <a:rPr lang="en-US" sz="2600" dirty="0" err="1" smtClean="0"/>
+              <a:t>detecion</a:t>
+            </a:r>
+            <a:r>
+              <a:rPr lang="en-US" sz="2600" dirty="0" smtClean="0"/>
+              <a:t>.</a:t>
+            </a:r>
+          </a:p>
+          <a:p>
             <a:pPr>
               <a:buNone/>
             </a:pPr>
-            <a:endParaRPr lang="en-US" sz="2000" dirty="0" smtClean="0"/>
-          </a:p>
-          <a:p>
-            <a:pPr>
-              <a:buNone/>
-            </a:pPr>
-            <a:r>
-              <a:rPr lang="en-US" sz="2000" b="1" dirty="0" smtClean="0"/>
-              <a:t>Tools and Technology</a:t>
-            </a:r>
-            <a:r>
-              <a:rPr lang="en-US" sz="2000" dirty="0" smtClean="0"/>
-              <a:t>:-</a:t>
-            </a:r>
-          </a:p>
-          <a:p>
-            <a:pPr>
-              <a:buFont typeface="Wingdings" pitchFamily="2" charset="2"/>
-              <a:buChar char="Ø"/>
-            </a:pPr>
-            <a:r>
-              <a:rPr lang="en-US" sz="2000" dirty="0" smtClean="0"/>
-              <a:t>Image processing with Core Python</a:t>
-            </a:r>
-          </a:p>
-          <a:p>
-            <a:pPr>
-              <a:buNone/>
-            </a:pPr>
-            <a:r>
-              <a:rPr lang="en-US" sz="2000" dirty="0" smtClean="0"/>
-              <a:t> </a:t>
-            </a:r>
-            <a:endParaRPr lang="en-US" sz="2000" dirty="0" smtClean="0"/>
-          </a:p>
-          <a:p>
-            <a:r>
-              <a:rPr lang="en-US" sz="2000" dirty="0" smtClean="0"/>
-              <a:t>Hardware requirements :</a:t>
-            </a:r>
-          </a:p>
-          <a:p>
-            <a:pPr>
-              <a:buNone/>
-            </a:pPr>
-            <a:r>
-              <a:rPr lang="en-US" sz="2000" dirty="0" smtClean="0"/>
-              <a:t>	1) x64 based processor</a:t>
-            </a:r>
-          </a:p>
-          <a:p>
-            <a:pPr>
-              <a:buNone/>
-            </a:pPr>
-            <a:r>
-              <a:rPr lang="en-US" sz="2000" dirty="0" smtClean="0"/>
-              <a:t>	2) 4GB RAM</a:t>
-            </a:r>
-          </a:p>
-          <a:p>
-            <a:pPr>
-              <a:buNone/>
-            </a:pPr>
-            <a:endParaRPr lang="en-US" sz="2000" dirty="0" smtClean="0"/>
-          </a:p>
-          <a:p>
-            <a:r>
-              <a:rPr lang="en-US" sz="2000" dirty="0" smtClean="0"/>
-              <a:t>Software requirements:</a:t>
-            </a:r>
-          </a:p>
-          <a:p>
-            <a:pPr>
-              <a:buNone/>
-            </a:pPr>
-            <a:r>
-              <a:rPr lang="en-US" sz="2000" dirty="0" smtClean="0"/>
-              <a:t>	1)Python 3.6 and above</a:t>
-            </a:r>
-          </a:p>
-          <a:p>
-            <a:pPr>
-              <a:buNone/>
-            </a:pPr>
-            <a:r>
-              <a:rPr lang="en-US" sz="2000" dirty="0" smtClean="0"/>
-              <a:t>	2) Packages:  </a:t>
-            </a:r>
-            <a:r>
-              <a:rPr lang="en-US" sz="2000" dirty="0" err="1" smtClean="0"/>
-              <a:t>Opencv</a:t>
-            </a:r>
-            <a:r>
-              <a:rPr lang="en-US" sz="2000" dirty="0" smtClean="0"/>
-              <a:t> </a:t>
-            </a:r>
-            <a:r>
-              <a:rPr lang="en-US" sz="2000" dirty="0" err="1" smtClean="0"/>
-              <a:t>tkinter</a:t>
-            </a:r>
-            <a:r>
-              <a:rPr lang="en-US" sz="2000" dirty="0" smtClean="0"/>
-              <a:t> , </a:t>
-            </a:r>
-            <a:r>
-              <a:rPr lang="en-US" sz="2000" dirty="0" smtClean="0"/>
-              <a:t>PIL</a:t>
-            </a:r>
-          </a:p>
-          <a:p>
-            <a:pPr>
-              <a:buNone/>
-            </a:pPr>
-            <a:endParaRPr lang="en-US" sz="2000" dirty="0" smtClean="0"/>
-          </a:p>
-          <a:p>
-            <a:pPr>
-              <a:buNone/>
-            </a:pPr>
-            <a:endParaRPr lang="en-US" sz="2000" dirty="0"/>
+            <a:endParaRPr lang="en-US" sz="2600" dirty="0" smtClean="0"/>
+          </a:p>
+          <a:p>
+            <a:r>
+              <a:rPr lang="en-US" sz="2600" dirty="0" smtClean="0"/>
+              <a:t>Detect -&gt; Process -&gt; store – it means that first it would detect the user then it will process the image after image processing  is done after that it will store in form of image/video after tracking in camera .</a:t>
+            </a:r>
           </a:p>
         </p:txBody>
       </p:sp>
@@ -4702,13 +4693,6 @@
   <p:clrMapOvr>
     <a:masterClrMapping/>
   </p:clrMapOvr>
-  <p:timing>
-    <p:tnLst>
-      <p:par>
-        <p:cTn id="1" dur="indefinite" restart="never" nodeType="tmRoot"/>
-      </p:par>
-    </p:tnLst>
-  </p:timing>
 </p:sld>
 </file>
 
@@ -4747,14 +4731,14 @@
           <a:lstStyle/>
           <a:p>
             <a:r>
-              <a:rPr lang="en-US" sz="3500" dirty="0" smtClean="0">
+              <a:rPr lang="en-US" sz="3300" dirty="0" smtClean="0">
                 <a:solidFill>
                   <a:schemeClr val="tx1"/>
                 </a:solidFill>
               </a:rPr>
-              <a:t> Functional Requirements(Scope) </a:t>
-            </a:r>
-            <a:endParaRPr lang="en-US" sz="3500" dirty="0">
+              <a:t>Advantages and Disadvantages</a:t>
+            </a:r>
+            <a:endParaRPr lang="en-US" sz="3300" dirty="0">
               <a:solidFill>
                 <a:schemeClr val="tx1"/>
               </a:solidFill>
@@ -4779,29 +4763,104 @@
           </a:bodyPr>
           <a:lstStyle/>
           <a:p>
-            <a:r>
-              <a:rPr lang="en-US" sz="2600" dirty="0" smtClean="0"/>
-              <a:t>Image processing via object </a:t>
-            </a:r>
-            <a:r>
-              <a:rPr lang="en-US" sz="2600" dirty="0" err="1" smtClean="0"/>
-              <a:t>detecion</a:t>
-            </a:r>
-            <a:r>
-              <a:rPr lang="en-US" sz="2600" dirty="0" smtClean="0"/>
-              <a:t>.</a:t>
-            </a:r>
-          </a:p>
-          <a:p>
             <a:pPr>
               <a:buNone/>
             </a:pPr>
-            <a:endParaRPr lang="en-US" sz="2600" dirty="0" smtClean="0"/>
-          </a:p>
-          <a:p>
-            <a:r>
-              <a:rPr lang="en-US" sz="2600" dirty="0" smtClean="0"/>
-              <a:t>Detect -&gt; Process -&gt; store – it means that first it would detect the user then it will process the image after image processing  is done after that it will store in form of image/video after tracking in camera .</a:t>
+            <a:r>
+              <a:rPr lang="en-US" sz="2000" b="1" dirty="0" smtClean="0"/>
+              <a:t>Advantages :-</a:t>
+            </a:r>
+          </a:p>
+          <a:p>
+            <a:pPr>
+              <a:buNone/>
+            </a:pPr>
+            <a:r>
+              <a:rPr lang="en-US" sz="2000" b="1" dirty="0" smtClean="0"/>
+              <a:t> </a:t>
+            </a:r>
+          </a:p>
+          <a:p>
+            <a:pPr>
+              <a:buNone/>
+            </a:pPr>
+            <a:r>
+              <a:rPr lang="en-US" sz="1600" dirty="0" smtClean="0"/>
+              <a:t>1)  Monitors activities. </a:t>
+            </a:r>
+          </a:p>
+          <a:p>
+            <a:pPr>
+              <a:buNone/>
+            </a:pPr>
+            <a:r>
+              <a:rPr lang="en-US" sz="1600" dirty="0" smtClean="0"/>
+              <a:t>2)  Collect evidence. </a:t>
+            </a:r>
+          </a:p>
+          <a:p>
+            <a:pPr>
+              <a:buNone/>
+            </a:pPr>
+            <a:r>
+              <a:rPr lang="en-US" sz="1600" dirty="0" smtClean="0"/>
+              <a:t>3)  Decision Making. </a:t>
+            </a:r>
+          </a:p>
+          <a:p>
+            <a:pPr>
+              <a:buNone/>
+            </a:pPr>
+            <a:r>
+              <a:rPr lang="en-US" sz="1600" dirty="0" smtClean="0"/>
+              <a:t>4)  Keep records.</a:t>
+            </a:r>
+          </a:p>
+          <a:p>
+            <a:pPr>
+              <a:buNone/>
+            </a:pPr>
+            <a:endParaRPr lang="en-US" sz="1600" dirty="0" smtClean="0"/>
+          </a:p>
+          <a:p>
+            <a:pPr>
+              <a:buNone/>
+            </a:pPr>
+            <a:r>
+              <a:rPr lang="en-US" sz="2000" b="1" dirty="0" smtClean="0"/>
+              <a:t>Disadvantages :-</a:t>
+            </a:r>
+          </a:p>
+          <a:p>
+            <a:pPr>
+              <a:buNone/>
+            </a:pPr>
+            <a:endParaRPr lang="en-US" sz="2000" b="1" dirty="0" smtClean="0"/>
+          </a:p>
+          <a:p>
+            <a:pPr marL="425196" indent="-342900">
+              <a:buNone/>
+            </a:pPr>
+            <a:r>
+              <a:rPr lang="en-US" sz="1600" dirty="0" smtClean="0"/>
+              <a:t>1)   One of the biggest disadvantages of CCTV use deals with privacy, especially when used in the workplace.</a:t>
+            </a:r>
+          </a:p>
+          <a:p>
+            <a:pPr marL="425196" indent="-342900">
+              <a:buNone/>
+            </a:pPr>
+            <a:r>
+              <a:rPr lang="en-US" sz="1600" dirty="0" smtClean="0"/>
+              <a:t>2)    Expensive ,  </a:t>
+            </a:r>
+            <a:r>
+              <a:rPr lang="en-US" sz="1600" dirty="0" err="1" smtClean="0"/>
+              <a:t>doesnot</a:t>
+            </a:r>
+            <a:r>
+              <a:rPr lang="en-US" sz="1600" dirty="0" smtClean="0"/>
+              <a:t> stop crime.</a:t>
             </a:r>
           </a:p>
         </p:txBody>
@@ -4844,19 +4903,27 @@
         <p:spPr/>
         <p:txBody>
           <a:bodyPr>
-            <a:normAutofit/>
+            <a:noAutofit/>
           </a:bodyPr>
           <a:lstStyle/>
           <a:p>
             <a:r>
-              <a:rPr lang="en-US" sz="3300" dirty="0" smtClean="0">
+              <a:rPr lang="en-US" sz="3500" dirty="0" smtClean="0">
                 <a:solidFill>
                   <a:schemeClr val="tx1"/>
                 </a:solidFill>
               </a:rPr>
-              <a:t>Advantages and Disadvantages</a:t>
-            </a:r>
-            <a:endParaRPr lang="en-US" sz="3300" dirty="0">
+              <a:t>L</a:t>
+            </a:r>
+            <a:r>
+              <a:rPr lang="en-US" sz="3500" dirty="0" smtClean="0">
+                <a:solidFill>
+                  <a:schemeClr val="tx1"/>
+                </a:solidFill>
+              </a:rPr>
+              <a:t>earning Outcome :</a:t>
+            </a:r>
+            <a:endParaRPr lang="en-US" sz="3500" dirty="0">
               <a:solidFill>
                 <a:schemeClr val="tx1"/>
               </a:solidFill>
@@ -4874,112 +4941,39 @@
             <p:ph idx="1"/>
           </p:nvPr>
         </p:nvSpPr>
-        <p:spPr/>
+        <p:spPr>
+          <a:xfrm>
+            <a:off x="1600200" y="1828800"/>
+            <a:ext cx="6858000" cy="4495800"/>
+          </a:xfrm>
+        </p:spPr>
         <p:txBody>
           <a:bodyPr>
             <a:normAutofit/>
           </a:bodyPr>
           <a:lstStyle/>
           <a:p>
-            <a:pPr>
-              <a:buNone/>
-            </a:pPr>
-            <a:r>
-              <a:rPr lang="en-US" sz="2000" b="1" dirty="0" smtClean="0"/>
-              <a:t>Advantages :-</a:t>
-            </a:r>
-          </a:p>
-          <a:p>
-            <a:pPr>
-              <a:buNone/>
-            </a:pPr>
-            <a:r>
-              <a:rPr lang="en-US" sz="2000" b="1" dirty="0" smtClean="0"/>
-              <a:t> </a:t>
-            </a:r>
-          </a:p>
-          <a:p>
-            <a:pPr>
-              <a:buNone/>
-            </a:pPr>
-            <a:r>
-              <a:rPr lang="en-US" sz="1600" dirty="0" smtClean="0"/>
-              <a:t>1)  Monitors activities. </a:t>
-            </a:r>
-          </a:p>
-          <a:p>
-            <a:pPr>
-              <a:buNone/>
-            </a:pPr>
-            <a:r>
-              <a:rPr lang="en-US" sz="1600" dirty="0" smtClean="0"/>
-              <a:t>2)  Collect evidence. </a:t>
-            </a:r>
-          </a:p>
-          <a:p>
-            <a:pPr>
-              <a:buNone/>
-            </a:pPr>
-            <a:r>
-              <a:rPr lang="en-US" sz="1600" dirty="0" smtClean="0"/>
-              <a:t>3)  Decision Making. </a:t>
-            </a:r>
-          </a:p>
-          <a:p>
-            <a:pPr>
-              <a:buNone/>
-            </a:pPr>
-            <a:r>
-              <a:rPr lang="en-US" sz="1600" dirty="0" smtClean="0"/>
-              <a:t>4)  Keep records.</a:t>
-            </a:r>
-          </a:p>
-          <a:p>
-            <a:pPr>
-              <a:buNone/>
-            </a:pPr>
-            <a:endParaRPr lang="en-US" sz="1600" dirty="0" smtClean="0"/>
-          </a:p>
-          <a:p>
-            <a:pPr>
-              <a:buNone/>
-            </a:pPr>
-            <a:r>
-              <a:rPr lang="en-US" sz="2000" b="1" dirty="0" smtClean="0"/>
-              <a:t>Disadvantages :-</a:t>
-            </a:r>
-          </a:p>
-          <a:p>
-            <a:pPr>
-              <a:buNone/>
-            </a:pPr>
-            <a:endParaRPr lang="en-US" sz="2000" b="1" dirty="0" smtClean="0"/>
-          </a:p>
-          <a:p>
-            <a:pPr marL="425196" indent="-342900">
-              <a:buNone/>
-            </a:pPr>
-            <a:r>
-              <a:rPr lang="en-US" sz="1600" dirty="0" smtClean="0"/>
-              <a:t>1)   One of the biggest disadvantages of CCTV use deals with privacy, especially when used in the workplace.</a:t>
-            </a:r>
-          </a:p>
-          <a:p>
-            <a:pPr marL="425196" indent="-342900">
-              <a:buNone/>
-            </a:pPr>
-            <a:r>
-              <a:rPr lang="en-US" sz="1600" dirty="0" smtClean="0"/>
-              <a:t>2)    Expensive ,  </a:t>
-            </a:r>
-            <a:r>
-              <a:rPr lang="en-US" sz="1600" dirty="0" err="1" smtClean="0"/>
-              <a:t>doesnot</a:t>
-            </a:r>
-            <a:r>
-              <a:rPr lang="en-US" sz="1600" dirty="0" smtClean="0"/>
-              <a:t> stop crime.</a:t>
-            </a:r>
+            <a:r>
+              <a:rPr lang="en-US" sz="2500" dirty="0" smtClean="0"/>
+              <a:t>While making this project we have explored python libraries like </a:t>
+            </a:r>
+            <a:r>
+              <a:rPr lang="en-US" sz="2500" dirty="0" err="1" smtClean="0"/>
+              <a:t>opencv</a:t>
+            </a:r>
+            <a:r>
+              <a:rPr lang="en-US" sz="2500" dirty="0" smtClean="0"/>
+              <a:t>, PIL, </a:t>
+            </a:r>
+            <a:r>
+              <a:rPr lang="en-US" sz="2500" dirty="0" err="1" smtClean="0"/>
+              <a:t>Tkinter</a:t>
+            </a:r>
+            <a:r>
+              <a:rPr lang="en-US" sz="2500" dirty="0" smtClean="0"/>
+              <a:t> also we have learned concept of image processing , how to detect object in our application/project , how to store image in different formats with the use of PIL library . </a:t>
+            </a:r>
+            <a:endParaRPr lang="en-US" sz="2500" dirty="0"/>
           </a:p>
         </p:txBody>
       </p:sp>
@@ -5060,60 +5054,68 @@
           </a:p>
           <a:p>
             <a:r>
-              <a:rPr lang="en-US" sz="2000" dirty="0" smtClean="0"/>
+              <a:rPr lang="en-US" sz="1600" dirty="0" smtClean="0"/>
               <a:t>Introduction</a:t>
             </a:r>
           </a:p>
           <a:p>
             <a:r>
-              <a:rPr lang="en-US" sz="2000" dirty="0" smtClean="0"/>
+              <a:rPr lang="en-US" sz="1600" dirty="0" smtClean="0"/>
               <a:t>Flow Chart</a:t>
             </a:r>
           </a:p>
           <a:p>
             <a:r>
-              <a:rPr lang="en-US" sz="2000" dirty="0" smtClean="0"/>
+              <a:rPr lang="en-US" sz="1600" dirty="0" smtClean="0"/>
               <a:t>DFD diagram</a:t>
             </a:r>
           </a:p>
           <a:p>
             <a:r>
-              <a:rPr lang="en-US" sz="2000" dirty="0" smtClean="0"/>
+              <a:rPr lang="en-US" sz="1600" dirty="0" smtClean="0"/>
               <a:t>About Project</a:t>
             </a:r>
           </a:p>
           <a:p>
             <a:r>
-              <a:rPr lang="en-US" sz="2000" dirty="0" err="1" smtClean="0"/>
+              <a:rPr lang="en-US" sz="1600" dirty="0" err="1" smtClean="0"/>
               <a:t>Opencv</a:t>
             </a:r>
-            <a:endParaRPr lang="en-US" sz="2000" dirty="0" smtClean="0"/>
-          </a:p>
-          <a:p>
-            <a:r>
-              <a:rPr lang="en-US" sz="2000" dirty="0" smtClean="0"/>
+            <a:r>
+              <a:rPr lang="en-US" sz="1600" dirty="0" smtClean="0"/>
+              <a:t> , </a:t>
+            </a:r>
+            <a:r>
+              <a:rPr lang="en-US" sz="1600" dirty="0" err="1" smtClean="0"/>
+              <a:t>Tkinter</a:t>
+            </a:r>
+            <a:r>
+              <a:rPr lang="en-US" sz="1600" dirty="0" smtClean="0"/>
+              <a:t> python</a:t>
+            </a:r>
+            <a:endParaRPr lang="en-US" sz="1600" dirty="0" smtClean="0"/>
+          </a:p>
+          <a:p>
+            <a:r>
+              <a:rPr lang="en-US" sz="1600" dirty="0" smtClean="0"/>
               <a:t>Modules in Project</a:t>
             </a:r>
           </a:p>
           <a:p>
             <a:r>
-              <a:rPr lang="en-US" sz="2000" dirty="0" smtClean="0"/>
-              <a:t>Hardware and software </a:t>
-            </a:r>
-            <a:r>
-              <a:rPr lang="en-US" sz="2000" dirty="0" smtClean="0"/>
-              <a:t>requirements</a:t>
-            </a:r>
-          </a:p>
-          <a:p>
-            <a:r>
-              <a:rPr lang="en-US" sz="2000" dirty="0" smtClean="0"/>
+              <a:rPr lang="en-US" sz="1600" dirty="0" smtClean="0"/>
+              <a:t>Hardware and software requirements</a:t>
+            </a:r>
+          </a:p>
+          <a:p>
+            <a:r>
+              <a:rPr lang="en-US" sz="1600" dirty="0" smtClean="0"/>
               <a:t>Functional Requirements(Scope)</a:t>
             </a:r>
           </a:p>
           <a:p>
             <a:r>
-              <a:rPr lang="en-US" sz="2000" dirty="0" smtClean="0"/>
+              <a:rPr lang="en-US" sz="1600" dirty="0" smtClean="0"/>
               <a:t>Advantages and Disadvantages</a:t>
             </a:r>
           </a:p>
@@ -5203,21 +5205,8 @@
           <a:p>
             <a:r>
               <a:rPr lang="en-US" sz="2200" dirty="0" smtClean="0"/>
-              <a:t>The </a:t>
-            </a:r>
-            <a:r>
-              <a:rPr lang="en-US" sz="2200" dirty="0" smtClean="0"/>
-              <a:t>issue of mass surveillance in CCTV camera feed is very important. Surveillance can be of different forms like malicious activity detection, identification of a particular entity particular individual in a CCTV </a:t>
-            </a:r>
-            <a:r>
-              <a:rPr lang="en-US" sz="2200" dirty="0" smtClean="0"/>
-              <a:t>video </a:t>
-            </a:r>
-            <a:r>
-              <a:rPr lang="en-US" sz="2200" dirty="0" smtClean="0"/>
-              <a:t>or in general keeping tracks of movements of human beings. </a:t>
-            </a:r>
-            <a:endParaRPr lang="en-US" sz="2200" dirty="0" smtClean="0"/>
+              <a:t>The issue of mass surveillance in CCTV camera feed is very important. Surveillance can be of different forms like malicious activity detection, identification of a particular entity particular individual in a CCTV video or in general keeping tracks of movements of human beings. </a:t>
+            </a:r>
           </a:p>
           <a:p>
             <a:pPr>
@@ -5228,31 +5217,15 @@
           <a:p>
             <a:r>
               <a:rPr lang="en-US" sz="2200" dirty="0" smtClean="0"/>
-              <a:t>In </a:t>
+              <a:t>In our project, the focus has been given to find the path of human through the CCTV cameras also called tracking through </a:t>
             </a:r>
             <a:r>
               <a:rPr lang="en-US" sz="2200" dirty="0" smtClean="0"/>
-              <a:t>our project, the focus has been given to find </a:t>
+              <a:t>object detection via image processing </a:t>
             </a:r>
             <a:r>
               <a:rPr lang="en-US" sz="2200" dirty="0" smtClean="0"/>
-              <a:t>the path </a:t>
-            </a:r>
-            <a:r>
-              <a:rPr lang="en-US" sz="2200" dirty="0" smtClean="0"/>
-              <a:t>of human </a:t>
-            </a:r>
-            <a:r>
-              <a:rPr lang="en-US" sz="2200" dirty="0" smtClean="0"/>
-              <a:t>through the </a:t>
-            </a:r>
-            <a:r>
-              <a:rPr lang="en-US" sz="2200" dirty="0" smtClean="0"/>
-              <a:t>CCTV cameras </a:t>
-            </a:r>
-            <a:r>
-              <a:rPr lang="en-US" sz="2200" dirty="0" smtClean="0"/>
-              <a:t>also called tracking through image processing via object detection . </a:t>
+              <a:t>. </a:t>
             </a:r>
             <a:endParaRPr lang="en-US" dirty="0"/>
           </a:p>
@@ -5388,8 +5361,8 @@
         </p:blipFill>
         <p:spPr bwMode="auto">
           <a:xfrm>
-            <a:off x="3124200" y="2209800"/>
-            <a:ext cx="3429000" cy="3242272"/>
+            <a:off x="2895600" y="1600200"/>
+            <a:ext cx="4617082" cy="4365656"/>
           </a:xfrm>
           <a:prstGeom prst="rect">
             <a:avLst/>
@@ -5406,7 +5379,7 @@
         <p:spPr>
           <a:xfrm>
             <a:off x="1905000" y="533400"/>
-            <a:ext cx="1771010" cy="369332"/>
+            <a:ext cx="3048000" cy="477054"/>
           </a:xfrm>
           <a:prstGeom prst="rect">
             <a:avLst/>
@@ -5420,10 +5393,10 @@
           <a:lstStyle/>
           <a:p>
             <a:r>
-              <a:rPr lang="en-US" dirty="0" smtClean="0"/>
+              <a:rPr lang="en-US" sz="2500" b="1" dirty="0" smtClean="0"/>
               <a:t>DFD Diagram</a:t>
             </a:r>
-            <a:endParaRPr lang="en-US" dirty="0"/>
+            <a:endParaRPr lang="en-US" sz="2500" b="1" dirty="0"/>
           </a:p>
         </p:txBody>
       </p:sp>
@@ -5496,7 +5469,7 @@
         <p:spPr/>
         <p:txBody>
           <a:bodyPr>
-            <a:normAutofit lnSpcReduction="10000"/>
+            <a:normAutofit/>
           </a:bodyPr>
           <a:lstStyle/>
           <a:p>
@@ -5522,7 +5495,11 @@
           <a:p>
             <a:r>
               <a:rPr lang="en-US" sz="2000" dirty="0" smtClean="0"/>
-              <a:t>We have used this library for monitoring the person which are present in room. Basically our aim in this project is to make </a:t>
+              <a:t>Basically </a:t>
+            </a:r>
+            <a:r>
+              <a:rPr lang="en-US" sz="2000" dirty="0" smtClean="0"/>
+              <a:t>our aim in this project is to make </a:t>
             </a:r>
             <a:r>
               <a:rPr lang="en-US" sz="2000" dirty="0" err="1" smtClean="0"/>
@@ -5540,14 +5517,34 @@
             <a:endParaRPr lang="en-US" sz="2000" dirty="0" smtClean="0"/>
           </a:p>
           <a:p>
+            <a:pPr lvl="0"/>
             <a:r>
               <a:rPr lang="en-US" sz="2000" dirty="0" smtClean="0"/>
-              <a:t>Also we have used PIL (Python Imaging Library)which provides the python interpreter with image editing capabilities. The Image module provides a class with the same name which is used to represent a PIL </a:t>
+              <a:t>Also we have used PIL (Python Imaging Library)which provides the python interpreter with image editing capabilities</a:t>
             </a:r>
             <a:r>
               <a:rPr lang="en-US" sz="2000" dirty="0" smtClean="0"/>
-              <a:t>image.</a:t>
-            </a:r>
+              <a:t>. </a:t>
+            </a:r>
+            <a:r>
+              <a:rPr lang="en-US" sz="2000" dirty="0" smtClean="0"/>
+              <a:t>Supports Image </a:t>
+            </a:r>
+            <a:r>
+              <a:rPr lang="en-US" sz="2000" dirty="0" err="1" smtClean="0"/>
+              <a:t>Archieve</a:t>
+            </a:r>
+            <a:r>
+              <a:rPr lang="en-US" sz="2000" dirty="0" smtClean="0"/>
+              <a:t> we can convert image from one format to </a:t>
+            </a:r>
+            <a:r>
+              <a:rPr lang="en-US" sz="2000" dirty="0" smtClean="0"/>
+              <a:t>another.</a:t>
+            </a:r>
+            <a:endParaRPr lang="en-US" sz="2000" dirty="0" smtClean="0"/>
+          </a:p>
+          <a:p>
             <a:endParaRPr lang="en-US" sz="2000" dirty="0"/>
           </a:p>
         </p:txBody>
@@ -5756,37 +5753,6 @@
       </p:grpSpPr>
       <p:sp>
         <p:nvSpPr>
-          <p:cNvPr id="2" name="Title 1"/>
-          <p:cNvSpPr>
-            <a:spLocks noGrp="1"/>
-          </p:cNvSpPr>
-          <p:nvPr>
-            <p:ph type="title"/>
-          </p:nvPr>
-        </p:nvSpPr>
-        <p:spPr/>
-        <p:txBody>
-          <a:bodyPr/>
-          <a:lstStyle/>
-          <a:p>
-            <a:r>
-              <a:rPr lang="en-US" dirty="0" smtClean="0">
-                <a:solidFill>
-                  <a:schemeClr val="tx1"/>
-                </a:solidFill>
-              </a:rPr>
-              <a:t>Modules of our project </a:t>
-            </a:r>
-            <a:endParaRPr lang="en-US" dirty="0">
-              <a:solidFill>
-                <a:schemeClr val="tx1"/>
-              </a:solidFill>
-            </a:endParaRPr>
-          </a:p>
-        </p:txBody>
-      </p:sp>
-      <p:sp>
-        <p:nvSpPr>
           <p:cNvPr id="3" name="Content Placeholder 2"/>
           <p:cNvSpPr>
             <a:spLocks noGrp="1"/>
@@ -5797,60 +5763,183 @@
         </p:nvSpPr>
         <p:spPr>
           <a:xfrm>
-            <a:off x="1435608" y="1676400"/>
-            <a:ext cx="5650992" cy="3962400"/>
+            <a:off x="1295400" y="1524000"/>
+            <a:ext cx="6934200" cy="4724400"/>
           </a:xfrm>
         </p:spPr>
         <p:txBody>
-          <a:bodyPr/>
+          <a:bodyPr>
+            <a:normAutofit/>
+          </a:bodyPr>
           <a:lstStyle/>
           <a:p>
             <a:r>
-              <a:rPr lang="en-US" sz="2000" dirty="0" smtClean="0"/>
-              <a:t>Monitor</a:t>
-            </a:r>
-          </a:p>
-          <a:p>
-            <a:endParaRPr lang="en-US" sz="2000" dirty="0" smtClean="0"/>
-          </a:p>
-          <a:p>
-            <a:r>
-              <a:rPr lang="en-US" sz="2000" dirty="0" smtClean="0"/>
-              <a:t>In and Out</a:t>
-            </a:r>
-          </a:p>
-          <a:p>
-            <a:endParaRPr lang="en-US" sz="2000" dirty="0" smtClean="0"/>
-          </a:p>
-          <a:p>
-            <a:r>
-              <a:rPr lang="en-US" sz="2000" dirty="0" smtClean="0"/>
-              <a:t>Rectangle</a:t>
-            </a:r>
-          </a:p>
-          <a:p>
-            <a:endParaRPr lang="en-US" sz="2000" dirty="0" smtClean="0"/>
-          </a:p>
-          <a:p>
-            <a:r>
-              <a:rPr lang="en-US" sz="2000" dirty="0" smtClean="0"/>
-              <a:t>Record</a:t>
-            </a:r>
-          </a:p>
-          <a:p>
-            <a:endParaRPr lang="en-US" sz="2000" dirty="0" smtClean="0"/>
-          </a:p>
-          <a:p>
-            <a:r>
-              <a:rPr lang="en-US" sz="2000" dirty="0" smtClean="0"/>
-              <a:t>Noise</a:t>
-            </a:r>
-          </a:p>
-          <a:p>
-            <a:endParaRPr lang="en-US" dirty="0" smtClean="0"/>
-          </a:p>
-          <a:p>
-            <a:endParaRPr lang="en-US" dirty="0"/>
+              <a:rPr lang="en-IN" sz="1600" b="1" dirty="0" err="1" smtClean="0"/>
+              <a:t>Tkinter</a:t>
+            </a:r>
+            <a:r>
+              <a:rPr lang="en-IN" sz="1600" dirty="0" smtClean="0"/>
+              <a:t> is the standard GUI library for Python. Python when combined with </a:t>
+            </a:r>
+            <a:r>
+              <a:rPr lang="en-IN" sz="1600" dirty="0" err="1" smtClean="0"/>
+              <a:t>Tkinter</a:t>
+            </a:r>
+            <a:r>
+              <a:rPr lang="en-IN" sz="1600" dirty="0" smtClean="0"/>
+              <a:t> provides a fast and easy way to create GUI applications. </a:t>
+            </a:r>
+            <a:r>
+              <a:rPr lang="en-IN" sz="1600" dirty="0" err="1" smtClean="0"/>
+              <a:t>Tkinter</a:t>
+            </a:r>
+            <a:r>
+              <a:rPr lang="en-IN" sz="1600" dirty="0" smtClean="0"/>
+              <a:t> provides a powerful object-oriented interface to the </a:t>
+            </a:r>
+            <a:r>
+              <a:rPr lang="en-IN" sz="1600" dirty="0" err="1" smtClean="0"/>
+              <a:t>Tk</a:t>
+            </a:r>
+            <a:r>
+              <a:rPr lang="en-IN" sz="1600" dirty="0" smtClean="0"/>
+              <a:t> GUI toolkit. Import the </a:t>
+            </a:r>
+            <a:r>
+              <a:rPr lang="en-IN" sz="1600" dirty="0" err="1" smtClean="0"/>
+              <a:t>Tkinter</a:t>
+            </a:r>
+            <a:r>
+              <a:rPr lang="en-IN" sz="1600" dirty="0" smtClean="0"/>
+              <a:t> module</a:t>
+            </a:r>
+            <a:r>
+              <a:rPr lang="en-IN" sz="1600" dirty="0" smtClean="0"/>
+              <a:t>.</a:t>
+            </a:r>
+            <a:endParaRPr lang="en-US" sz="1600" dirty="0" smtClean="0"/>
+          </a:p>
+          <a:p>
+            <a:pPr>
+              <a:buNone/>
+            </a:pPr>
+            <a:r>
+              <a:rPr lang="en-US" sz="1600" dirty="0" smtClean="0"/>
+              <a:t>     Creating </a:t>
+            </a:r>
+            <a:r>
+              <a:rPr lang="en-US" sz="1600" dirty="0" smtClean="0"/>
+              <a:t>a GUI application using </a:t>
+            </a:r>
+            <a:r>
+              <a:rPr lang="en-US" sz="1600" dirty="0" err="1" smtClean="0"/>
+              <a:t>Tkinter</a:t>
+            </a:r>
+            <a:r>
+              <a:rPr lang="en-US" sz="1600" dirty="0" smtClean="0"/>
+              <a:t> is an easy task</a:t>
+            </a:r>
+            <a:r>
+              <a:rPr lang="en-US" sz="1600" dirty="0" smtClean="0"/>
+              <a:t>.  </a:t>
+            </a:r>
+            <a:r>
+              <a:rPr lang="en-US" sz="1600" dirty="0" smtClean="0"/>
+              <a:t>All you need to do is perform the following steps −</a:t>
+            </a:r>
+          </a:p>
+          <a:p>
+            <a:pPr lvl="0"/>
+            <a:r>
+              <a:rPr lang="en-US" sz="1600" dirty="0" smtClean="0"/>
+              <a:t>Import the </a:t>
+            </a:r>
+            <a:r>
+              <a:rPr lang="en-US" sz="1600" dirty="0" err="1" smtClean="0"/>
+              <a:t>Tkinter</a:t>
+            </a:r>
+            <a:r>
+              <a:rPr lang="en-US" sz="1600" dirty="0" smtClean="0"/>
+              <a:t> module.</a:t>
+            </a:r>
+          </a:p>
+          <a:p>
+            <a:pPr lvl="0"/>
+            <a:r>
+              <a:rPr lang="en-US" sz="1600" dirty="0" smtClean="0"/>
+              <a:t>Create the GUI application main window.</a:t>
+            </a:r>
+          </a:p>
+          <a:p>
+            <a:pPr lvl="0"/>
+            <a:r>
+              <a:rPr lang="en-US" sz="1600" dirty="0" smtClean="0"/>
+              <a:t>Add one or more of the above-mentioned widgets to the GUI application.</a:t>
+            </a:r>
+          </a:p>
+          <a:p>
+            <a:pPr lvl="0"/>
+            <a:r>
+              <a:rPr lang="en-US" sz="1600" dirty="0" smtClean="0"/>
+              <a:t>Enter the main event loop to take action against each event triggered by the user</a:t>
+            </a:r>
+            <a:r>
+              <a:rPr lang="en-US" sz="1600" dirty="0" smtClean="0"/>
+              <a:t>.</a:t>
+            </a:r>
+            <a:r>
+              <a:rPr lang="en-US" sz="1600" dirty="0" smtClean="0"/>
+              <a:t> </a:t>
+            </a:r>
+          </a:p>
+          <a:p>
+            <a:r>
+              <a:rPr lang="en-US" sz="1600" dirty="0" smtClean="0"/>
+              <a:t>It consist of 15 types of widgets some of there are Button, </a:t>
+            </a:r>
+            <a:r>
+              <a:rPr lang="en-US" sz="1600" dirty="0" err="1" smtClean="0"/>
+              <a:t>Canavas</a:t>
+            </a:r>
+            <a:r>
+              <a:rPr lang="en-US" sz="1600" dirty="0" smtClean="0"/>
+              <a:t> , Frame , Entry , Label , Menu , Message and many more.</a:t>
+            </a:r>
+            <a:endParaRPr lang="en-US" sz="1600" dirty="0"/>
+          </a:p>
+        </p:txBody>
+      </p:sp>
+      <p:sp>
+        <p:nvSpPr>
+          <p:cNvPr id="4" name="TextBox 3"/>
+          <p:cNvSpPr txBox="1"/>
+          <p:nvPr/>
+        </p:nvSpPr>
+        <p:spPr>
+          <a:xfrm>
+            <a:off x="1447800" y="533400"/>
+            <a:ext cx="3895104" cy="630942"/>
+          </a:xfrm>
+          <a:prstGeom prst="rect">
+            <a:avLst/>
+          </a:prstGeom>
+          <a:noFill/>
+        </p:spPr>
+        <p:txBody>
+          <a:bodyPr wrap="square" rtlCol="0">
+            <a:spAutoFit/>
+          </a:bodyPr>
+          <a:lstStyle/>
+          <a:p>
+            <a:r>
+              <a:rPr lang="en-US" sz="3500" b="1" dirty="0" err="1" smtClean="0"/>
+              <a:t>Tkinter</a:t>
+            </a:r>
+            <a:r>
+              <a:rPr lang="en-US" sz="3500" b="1" dirty="0" smtClean="0"/>
+              <a:t> Python </a:t>
+            </a:r>
+            <a:endParaRPr lang="en-US" sz="3500" b="1" dirty="0"/>
           </a:p>
         </p:txBody>
       </p:sp>
@@ -5907,7 +5996,7 @@
                   <a:schemeClr val="tx1"/>
                 </a:solidFill>
               </a:rPr>
-              <a:t>About Modules</a:t>
+              <a:t>Modules of our project </a:t>
             </a:r>
             <a:endParaRPr lang="en-US" dirty="0">
               <a:solidFill>
@@ -5927,18 +6016,20 @@
             <p:ph idx="1"/>
           </p:nvPr>
         </p:nvSpPr>
-        <p:spPr/>
+        <p:spPr>
+          <a:xfrm>
+            <a:off x="1435608" y="1676400"/>
+            <a:ext cx="6870192" cy="4038600"/>
+          </a:xfrm>
+        </p:spPr>
         <p:txBody>
           <a:bodyPr>
-            <a:normAutofit/>
+            <a:normAutofit fontScale="47500" lnSpcReduction="20000"/>
           </a:bodyPr>
           <a:lstStyle/>
           <a:p>
-            <a:endParaRPr lang="en-US" sz="2000" dirty="0" smtClean="0"/>
-          </a:p>
-          <a:p>
-            <a:r>
-              <a:rPr lang="en-US" sz="2000" b="1" dirty="0" smtClean="0"/>
+            <a:r>
+              <a:rPr lang="en-US" b="1" dirty="0" smtClean="0"/>
               <a:t>Monitor</a:t>
             </a:r>
           </a:p>
@@ -5947,19 +6038,27 @@
               <a:buNone/>
             </a:pPr>
             <a:r>
-              <a:rPr lang="en-US" sz="2000" dirty="0" smtClean="0"/>
-              <a:t>    A CCTV monitor is a display device that is usually connected to a feed from a surveillance video recording device. </a:t>
+              <a:rPr lang="en-US" dirty="0" smtClean="0"/>
+              <a:t>    </a:t>
+            </a:r>
+            <a:r>
+              <a:rPr lang="en-US" dirty="0" smtClean="0"/>
+              <a:t>  A</a:t>
+            </a:r>
+            <a:r>
+              <a:rPr lang="en-US" dirty="0" smtClean="0"/>
+              <a:t> CCTV monitor is a display device that is usually connected to a feed from a surveillance video recording device. </a:t>
             </a:r>
           </a:p>
           <a:p>
             <a:pPr>
               <a:buNone/>
             </a:pPr>
-            <a:endParaRPr lang="en-US" sz="2000" dirty="0" smtClean="0"/>
-          </a:p>
-          <a:p>
-            <a:r>
-              <a:rPr lang="en-US" sz="2000" b="1" dirty="0" smtClean="0"/>
+            <a:endParaRPr lang="en-US" dirty="0" smtClean="0"/>
+          </a:p>
+          <a:p>
+            <a:r>
+              <a:rPr lang="en-US" b="1" dirty="0" smtClean="0"/>
               <a:t>In and Out</a:t>
             </a:r>
           </a:p>
@@ -5968,19 +6067,27 @@
               <a:buNone/>
             </a:pPr>
             <a:r>
-              <a:rPr lang="en-US" sz="2000" dirty="0" smtClean="0"/>
-              <a:t>    It generally records data of person which time he/she enters and at which time he exits in in folder and out folder.</a:t>
+              <a:rPr lang="en-US" dirty="0" smtClean="0"/>
+              <a:t>    </a:t>
+            </a:r>
+            <a:r>
+              <a:rPr lang="en-US" dirty="0" smtClean="0"/>
+              <a:t>  It </a:t>
+            </a:r>
+            <a:r>
+              <a:rPr lang="en-US" dirty="0" smtClean="0"/>
+              <a:t>generally records data of person which time he/she enters and at which time he exits in in folder and out folder.</a:t>
             </a:r>
           </a:p>
           <a:p>
             <a:pPr>
               <a:buNone/>
             </a:pPr>
-            <a:endParaRPr lang="en-US" sz="2000" dirty="0" smtClean="0"/>
-          </a:p>
-          <a:p>
-            <a:r>
-              <a:rPr lang="en-US" sz="2000" b="1" dirty="0" smtClean="0"/>
+            <a:endParaRPr lang="en-US" dirty="0" smtClean="0"/>
+          </a:p>
+          <a:p>
+            <a:r>
+              <a:rPr lang="en-US" b="1" dirty="0" smtClean="0"/>
               <a:t>Rectangle</a:t>
             </a:r>
           </a:p>
@@ -5989,64 +6096,56 @@
               <a:buNone/>
             </a:pPr>
             <a:r>
-              <a:rPr lang="en-US" sz="2000" dirty="0" smtClean="0"/>
-              <a:t>    In this it tells us to choose the </a:t>
-            </a:r>
-            <a:r>
-              <a:rPr lang="en-US" sz="2000" dirty="0" err="1" smtClean="0"/>
+              <a:rPr lang="en-US" dirty="0" smtClean="0"/>
+              <a:t>    </a:t>
+            </a:r>
+            <a:r>
+              <a:rPr lang="en-US" dirty="0" smtClean="0"/>
+              <a:t>  In </a:t>
+            </a:r>
+            <a:r>
+              <a:rPr lang="en-US" dirty="0" smtClean="0"/>
+              <a:t>this it tells us to choose the </a:t>
+            </a:r>
+            <a:r>
+              <a:rPr lang="en-US" dirty="0" err="1" smtClean="0"/>
               <a:t>directon</a:t>
             </a:r>
             <a:r>
-              <a:rPr lang="en-US" sz="2000" dirty="0" smtClean="0"/>
-              <a:t> or we can say  we have to choose the portion , if </a:t>
-            </a:r>
-            <a:r>
-              <a:rPr lang="en-US" sz="2000" dirty="0" smtClean="0"/>
-              <a:t>there’s </a:t>
-            </a:r>
-            <a:r>
-              <a:rPr lang="en-US" sz="2000" dirty="0" smtClean="0"/>
-              <a:t>motion in that portion then it will </a:t>
-            </a:r>
-            <a:r>
-              <a:rPr lang="en-US" sz="2000" dirty="0" smtClean="0"/>
-              <a:t>record / track it in the form </a:t>
-            </a:r>
-            <a:r>
-              <a:rPr lang="en-US" sz="2000" dirty="0" smtClean="0"/>
-              <a:t>of document </a:t>
-            </a:r>
-            <a:r>
-              <a:rPr lang="en-US" sz="2000" dirty="0" smtClean="0"/>
-              <a:t>  </a:t>
-            </a:r>
-            <a:r>
-              <a:rPr lang="en-US" sz="2000" dirty="0" smtClean="0"/>
-              <a:t>.</a:t>
+              <a:rPr lang="en-US" dirty="0" smtClean="0"/>
+              <a:t> or we can say  we have to choose the portion , if there’s motion in that portion then it will record / track it in the form of document   .</a:t>
             </a:r>
           </a:p>
           <a:p>
             <a:pPr>
               <a:buNone/>
             </a:pPr>
-            <a:endParaRPr lang="en-US" sz="2000" dirty="0" smtClean="0"/>
+            <a:endParaRPr lang="en-US" dirty="0" smtClean="0"/>
+          </a:p>
+          <a:p>
+            <a:r>
+              <a:rPr lang="en-US" b="1" dirty="0" smtClean="0"/>
+              <a:t>Record </a:t>
+            </a:r>
           </a:p>
           <a:p>
             <a:pPr>
               <a:buNone/>
             </a:pPr>
-            <a:endParaRPr lang="en-US" sz="2000" dirty="0" smtClean="0"/>
-          </a:p>
-          <a:p>
-            <a:pPr>
-              <a:buNone/>
-            </a:pPr>
-            <a:endParaRPr lang="en-US" sz="2000" dirty="0" smtClean="0"/>
-          </a:p>
-          <a:p>
-            <a:pPr>
-              <a:buNone/>
-            </a:pPr>
+            <a:r>
+              <a:rPr lang="en-US" dirty="0" smtClean="0"/>
+              <a:t>    </a:t>
+            </a:r>
+            <a:r>
+              <a:rPr lang="en-US" dirty="0" smtClean="0"/>
+              <a:t>  This </a:t>
+            </a:r>
+            <a:r>
+              <a:rPr lang="en-US" dirty="0" smtClean="0"/>
+              <a:t>function in our project is been used to record the footage we have to start recording and it would save the recording when we  stop so we can say it is like video recorder .</a:t>
+            </a:r>
+          </a:p>
+          <a:p>
             <a:endParaRPr lang="en-US" dirty="0"/>
           </a:p>
         </p:txBody>
